--- a/Data Analyst Case 08-24.pptx
+++ b/Data Analyst Case 08-24.pptx
@@ -167,6 +167,8 @@
 <p1510:revInfo xmlns:a="http://schemas.openxmlformats.org/drawingml/2006/main" xmlns:r="http://schemas.openxmlformats.org/officeDocument/2006/relationships" xmlns:p1510="http://schemas.microsoft.com/office/powerpoint/2015/10/main">
   <p1510:revLst>
     <p1510:client id="{17C40DED-B765-4CE6-8FEE-6688B1A28A77}" v="887" dt="2024-09-02T09:51:16.563"/>
+    <p1510:client id="{6969BF92-95D5-43A5-AEA4-11885E862AFA}" v="170" dt="2024-09-02T14:19:55.324"/>
+    <p1510:client id="{865E7079-10F7-A211-90B1-F3F81E38200C}" v="82" dt="2024-09-02T14:26:56.276"/>
   </p1510:revLst>
 </p1510:revInfo>
 </file>
@@ -3735,8 +3737,8 @@
         </p:nvSpPr>
         <p:spPr>
           <a:xfrm>
-            <a:off x="662152" y="1413372"/>
-            <a:ext cx="6094948" cy="4547720"/>
+            <a:off x="662151" y="1413372"/>
+            <a:ext cx="6968581" cy="4290213"/>
           </a:xfrm>
           <a:prstGeom prst="rect">
             <a:avLst/>
@@ -3759,13 +3761,6 @@
             </a:r>
           </a:p>
           <a:p>
-            <a:endParaRPr lang="en-US" sz="1100">
-              <a:solidFill>
-                <a:schemeClr val="bg2"/>
-              </a:solidFill>
-            </a:endParaRPr>
-          </a:p>
-          <a:p>
             <a:pPr>
               <a:lnSpc>
                 <a:spcPct val="150000"/>
@@ -3773,7 +3768,7 @@
               <a:defRPr/>
             </a:pPr>
             <a:r>
-              <a:rPr lang="en-US" sz="1050">
+              <a:rPr lang="en-US" sz="900">
                 <a:solidFill>
                   <a:srgbClr val="192743"/>
                 </a:solidFill>
@@ -3781,7 +3776,7 @@
                 <a:ea typeface="Open Sans Light" panose="020B0306030504020204" pitchFamily="34" charset="0"/>
                 <a:cs typeface="Poppins Medium"/>
               </a:rPr>
-              <a:t>Our clients can create customized employee surveys including questions based on different topics. Examples of popular HR topics are Employee Engagement and Retention. Topics can be divided into themes and items.</a:t>
+              <a:t>Our customers can create customized employee surveys including questions based on different topics. Examples of popular HR topics are Employee Engagement and Retention. Topics can be divided into themes and items. For this case we created a fictitious customer. </a:t>
             </a:r>
           </a:p>
           <a:p>
@@ -3791,10 +3786,11 @@
               </a:lnSpc>
               <a:defRPr/>
             </a:pPr>
-            <a:endParaRPr lang="en-US" sz="1050">
+            <a:endParaRPr lang="en-US" sz="900" b="0" i="0">
               <a:solidFill>
                 <a:srgbClr val="192743"/>
               </a:solidFill>
+              <a:effectLst/>
               <a:latin typeface="Century Gothic" panose="020B0502020202020204" pitchFamily="34" charset="0"/>
               <a:ea typeface="Open Sans Light" panose="020B0306030504020204" pitchFamily="34" charset="0"/>
               <a:cs typeface="Poppins Medium"/>
@@ -3808,15 +3804,14 @@
               <a:defRPr/>
             </a:pPr>
             <a:r>
-              <a:rPr lang="en-US" sz="1100" b="1">
+              <a:rPr lang="en-US" sz="900" b="0" i="0">
                 <a:solidFill>
-                  <a:srgbClr val="192743"/>
+                  <a:srgbClr val="111111"/>
                 </a:solidFill>
-                <a:latin typeface="Century Gothic" panose="020B0502020202020204" pitchFamily="34" charset="0"/>
-                <a:ea typeface="Open Sans Light" panose="020B0306030504020204" pitchFamily="34" charset="0"/>
-                <a:cs typeface="Poppins Medium"/>
-              </a:rPr>
-              <a:t>Explanation about themes and items</a:t>
+                <a:effectLst/>
+                <a:latin typeface="+mj-lt"/>
+              </a:rPr>
+              <a:t>This customer operates in the luxury retail industry, a sector known for its intense competition, rapid innovation, and high customer expectations. Companies in this industry must continuously evolve to maintain their market position, focusing on delivering exceptional product quality and a premium customer experience. The luxury retail market is also characterized by its global reach and the need for a strong brand presence across diverse markets. Our customer is a prominent player in the industry, with an annual revenue exceeding €1 billion. They employ approximately 10,000 people worldwide and have a presence in over 900 locations across 30 countries. Their extensive network of stores and online platforms allows them to reach a broad customer base, offering a wide range of high-quality personal care products.</a:t>
             </a:r>
           </a:p>
           <a:p>
@@ -3826,224 +3821,47 @@
               </a:lnSpc>
               <a:defRPr/>
             </a:pPr>
-            <a:r>
-              <a:rPr lang="en-US" sz="1050" i="1">
-                <a:solidFill>
-                  <a:srgbClr val="192743"/>
-                </a:solidFill>
-                <a:latin typeface="Century Gothic" panose="020B0502020202020204" pitchFamily="34" charset="0"/>
-                <a:ea typeface="Open Sans Light" panose="020B0306030504020204" pitchFamily="34" charset="0"/>
-                <a:cs typeface="Poppins Medium"/>
-              </a:rPr>
-              <a:t>Items</a:t>
-            </a:r>
-            <a:r>
-              <a:rPr lang="en-US" sz="1050">
-                <a:solidFill>
-                  <a:srgbClr val="192743"/>
-                </a:solidFill>
-                <a:latin typeface="Century Gothic" panose="020B0502020202020204" pitchFamily="34" charset="0"/>
-                <a:ea typeface="Open Sans Light" panose="020B0306030504020204" pitchFamily="34" charset="0"/>
-                <a:cs typeface="Poppins Medium"/>
-              </a:rPr>
-              <a:t> are the statements or questions in the survey (e.g. I enjoy doing my work / tasks.) </a:t>
-            </a:r>
+            <a:endParaRPr lang="en-US" sz="900" b="0" i="0">
+              <a:solidFill>
+                <a:srgbClr val="111111"/>
+              </a:solidFill>
+              <a:effectLst/>
+              <a:latin typeface="+mj-lt"/>
+            </a:endParaRPr>
           </a:p>
           <a:p>
             <a:pPr>
               <a:lnSpc>
                 <a:spcPct val="150000"/>
               </a:lnSpc>
-              <a:defRPr/>
+              <a:spcAft>
+                <a:spcPts val="800"/>
+              </a:spcAft>
             </a:pPr>
             <a:r>
-              <a:rPr lang="en-US" sz="1050" i="1">
+              <a:rPr lang="en-US" sz="900" b="0" i="0">
                 <a:solidFill>
-                  <a:srgbClr val="192743"/>
+                  <a:srgbClr val="111111"/>
                 </a:solidFill>
-                <a:latin typeface="Century Gothic" panose="020B0502020202020204" pitchFamily="34" charset="0"/>
-                <a:ea typeface="Open Sans Light" panose="020B0306030504020204" pitchFamily="34" charset="0"/>
-                <a:cs typeface="Poppins Medium"/>
-              </a:rPr>
-              <a:t>Themes</a:t>
-            </a:r>
-            <a:r>
-              <a:rPr lang="en-US" sz="1050">
-                <a:solidFill>
-                  <a:srgbClr val="192743"/>
-                </a:solidFill>
-                <a:latin typeface="Century Gothic" panose="020B0502020202020204" pitchFamily="34" charset="0"/>
-                <a:ea typeface="Open Sans Light" panose="020B0306030504020204" pitchFamily="34" charset="0"/>
-                <a:cs typeface="Poppins Medium"/>
-              </a:rPr>
-              <a:t> (in the survey results data file referred to as </a:t>
-            </a:r>
-            <a:r>
-              <a:rPr lang="en-US" sz="1050" i="1">
-                <a:solidFill>
-                  <a:srgbClr val="192743"/>
-                </a:solidFill>
-                <a:latin typeface="Century Gothic" panose="020B0502020202020204" pitchFamily="34" charset="0"/>
-                <a:ea typeface="Open Sans Light" panose="020B0306030504020204" pitchFamily="34" charset="0"/>
-                <a:cs typeface="Poppins Medium"/>
-              </a:rPr>
-              <a:t>Modules</a:t>
-            </a:r>
-            <a:r>
-              <a:rPr lang="en-US" sz="1050">
-                <a:solidFill>
-                  <a:srgbClr val="192743"/>
-                </a:solidFill>
-                <a:latin typeface="Century Gothic" panose="020B0502020202020204" pitchFamily="34" charset="0"/>
-                <a:ea typeface="Open Sans Light" panose="020B0306030504020204" pitchFamily="34" charset="0"/>
-                <a:cs typeface="Poppins Medium"/>
-              </a:rPr>
-              <a:t>) are relevant HR Topics that consist of one or multiple items. Themes are calculated as the average of underlying ordinal items on the 5-point-Likert scale.</a:t>
-            </a:r>
-          </a:p>
-          <a:p>
-            <a:pPr>
-              <a:lnSpc>
-                <a:spcPct val="150000"/>
-              </a:lnSpc>
-              <a:defRPr/>
-            </a:pPr>
-            <a:endParaRPr lang="en-US" sz="1050">
-              <a:solidFill>
-                <a:srgbClr val="192743"/>
-              </a:solidFill>
-              <a:latin typeface="Century Gothic" panose="020B0502020202020204" pitchFamily="34" charset="0"/>
-              <a:ea typeface="Open Sans Light" panose="020B0306030504020204" pitchFamily="34" charset="0"/>
-              <a:cs typeface="Poppins Medium"/>
-            </a:endParaRPr>
-          </a:p>
-          <a:p>
-            <a:pPr>
-              <a:lnSpc>
-                <a:spcPct val="150000"/>
-              </a:lnSpc>
-              <a:defRPr/>
-            </a:pPr>
-            <a:r>
-              <a:rPr lang="en-US" sz="1050" b="1">
-                <a:solidFill>
-                  <a:srgbClr val="192743"/>
-                </a:solidFill>
-                <a:latin typeface="Century Gothic" panose="020B0502020202020204" pitchFamily="34" charset="0"/>
-                <a:ea typeface="Open Sans Light" panose="020B0306030504020204" pitchFamily="34" charset="0"/>
-                <a:cs typeface="Poppins Medium"/>
-              </a:rPr>
-              <a:t>Engagement theme items:</a:t>
-            </a:r>
-          </a:p>
-          <a:p>
-            <a:pPr marL="228600" indent="-228600">
-              <a:lnSpc>
-                <a:spcPct val="150000"/>
-              </a:lnSpc>
-              <a:buFont typeface="Arial" panose="020B0604020202020204" pitchFamily="34" charset="0"/>
-              <a:buChar char="•"/>
-              <a:defRPr/>
-            </a:pPr>
-            <a:r>
-              <a:rPr lang="en-US" sz="1050">
-                <a:solidFill>
-                  <a:srgbClr val="192743"/>
-                </a:solidFill>
-                <a:latin typeface="Century Gothic" panose="020B0502020202020204" pitchFamily="34" charset="0"/>
-                <a:ea typeface="Open Sans Light" panose="020B0306030504020204" pitchFamily="34" charset="0"/>
-                <a:cs typeface="Poppins Medium"/>
-              </a:rPr>
-              <a:t>I enjoy doing my work / tasks</a:t>
-            </a:r>
-          </a:p>
-          <a:p>
-            <a:pPr marL="228600" indent="-228600">
-              <a:lnSpc>
-                <a:spcPct val="150000"/>
-              </a:lnSpc>
-              <a:buFont typeface="Arial" panose="020B0604020202020204" pitchFamily="34" charset="0"/>
-              <a:buChar char="•"/>
-              <a:defRPr/>
-            </a:pPr>
-            <a:r>
-              <a:rPr lang="en-US" sz="1050">
-                <a:solidFill>
-                  <a:srgbClr val="192743"/>
-                </a:solidFill>
-                <a:latin typeface="Century Gothic" panose="020B0502020202020204" pitchFamily="34" charset="0"/>
-                <a:ea typeface="Open Sans Light" panose="020B0306030504020204" pitchFamily="34" charset="0"/>
-                <a:cs typeface="Poppins Medium"/>
-              </a:rPr>
-              <a:t>Doing my work gives me energy</a:t>
-            </a:r>
-          </a:p>
-          <a:p>
-            <a:pPr marL="228600" indent="-228600">
-              <a:lnSpc>
-                <a:spcPct val="150000"/>
-              </a:lnSpc>
-              <a:buFont typeface="Arial" panose="020B0604020202020204" pitchFamily="34" charset="0"/>
-              <a:buChar char="•"/>
-              <a:defRPr/>
-            </a:pPr>
-            <a:r>
-              <a:rPr lang="en-US" sz="1050">
-                <a:solidFill>
-                  <a:srgbClr val="192743"/>
-                </a:solidFill>
-                <a:latin typeface="Century Gothic" panose="020B0502020202020204" pitchFamily="34" charset="0"/>
-                <a:ea typeface="Open Sans Light" panose="020B0306030504020204" pitchFamily="34" charset="0"/>
-                <a:cs typeface="Poppins Medium"/>
-              </a:rPr>
-              <a:t>I am proud to work at my organization</a:t>
-            </a:r>
-          </a:p>
-          <a:p>
-            <a:pPr marL="228600" indent="-228600">
-              <a:lnSpc>
-                <a:spcPct val="150000"/>
-              </a:lnSpc>
-              <a:buFont typeface="Arial" panose="020B0604020202020204" pitchFamily="34" charset="0"/>
-              <a:buChar char="•"/>
-              <a:defRPr/>
-            </a:pPr>
-            <a:r>
-              <a:rPr lang="en-US" sz="1050">
-                <a:solidFill>
-                  <a:srgbClr val="192743"/>
-                </a:solidFill>
-                <a:latin typeface="Century Gothic" panose="020B0502020202020204" pitchFamily="34" charset="0"/>
-                <a:ea typeface="Open Sans Light" panose="020B0306030504020204" pitchFamily="34" charset="0"/>
-                <a:cs typeface="Poppins Medium"/>
-              </a:rPr>
-              <a:t>I feel that I fit in at my organization</a:t>
-            </a:r>
-          </a:p>
-          <a:p>
-            <a:pPr>
-              <a:lnSpc>
-                <a:spcPct val="150000"/>
-              </a:lnSpc>
-              <a:defRPr/>
-            </a:pPr>
-            <a:endParaRPr lang="nl-NL" b="1">
-              <a:solidFill>
-                <a:srgbClr val="192743"/>
-              </a:solidFill>
-              <a:latin typeface="Century Gothic" panose="020B0502020202020204" pitchFamily="34" charset="0"/>
-              <a:ea typeface="Open Sans Light" panose="020B0306030504020204" pitchFamily="34" charset="0"/>
-              <a:cs typeface="Poppins Medium"/>
+                <a:effectLst/>
+                <a:latin typeface="+mj-lt"/>
+              </a:rPr>
+              <a:t>Despite their success, the customer faces several HR-related challenges. One of their primary goals is to enhance employee satisfaction and engagement, which is crucial for maintaining high levels of customer service and operational efficiency. They also aim to reduce staff turnover, which can be particularly challenging in the retail sector due to the high demand for skilled employees. Additionally, the customer is focused on fostering an inclusive and supportive work environment, which involves addressing diverse employee needs and promoting professional development. These HR initiatives are essential for achieving their strategic objectives and sustaining their competitive edge in the luxury retail market.</a:t>
+            </a:r>
+            <a:endParaRPr lang="en-US" sz="900">
+              <a:latin typeface="+mj-lt"/>
+              <a:ea typeface="Calibri" panose="020F0502020204030204" pitchFamily="34" charset="0"/>
+              <a:cs typeface="Times New Roman" panose="02020603050405020304" pitchFamily="18" charset="0"/>
             </a:endParaRPr>
           </a:p>
         </p:txBody>
       </p:sp>
       <p:sp>
         <p:nvSpPr>
-          <p:cNvPr id="8" name="Rectangle 7">
+          <p:cNvPr id="2" name="Rectangle 1">
             <a:extLst>
               <a:ext uri="{FF2B5EF4-FFF2-40B4-BE49-F238E27FC236}">
-                <a16:creationId xmlns:a16="http://schemas.microsoft.com/office/drawing/2014/main" id="{701E2D76-1141-5BA6-75A4-6727D13F5D44}"/>
+                <a16:creationId xmlns:a16="http://schemas.microsoft.com/office/drawing/2014/main" id="{C34773F3-8ADC-F097-ACB8-0D96A20A3BA8}"/>
               </a:ext>
             </a:extLst>
           </p:cNvPr>
@@ -4104,10 +3922,10 @@
       </p:sp>
       <p:sp>
         <p:nvSpPr>
-          <p:cNvPr id="10" name="TextBox 9">
+          <p:cNvPr id="7" name="TextBox 6">
             <a:extLst>
               <a:ext uri="{FF2B5EF4-FFF2-40B4-BE49-F238E27FC236}">
-                <a16:creationId xmlns:a16="http://schemas.microsoft.com/office/drawing/2014/main" id="{0272E46F-ABDB-7A50-22B8-9CADC698B024}"/>
+                <a16:creationId xmlns:a16="http://schemas.microsoft.com/office/drawing/2014/main" id="{735F74D9-32DC-8AC3-3075-59B7A09836A1}"/>
               </a:ext>
             </a:extLst>
           </p:cNvPr>
@@ -4116,8 +3934,63 @@
         </p:nvSpPr>
         <p:spPr>
           <a:xfrm>
-            <a:off x="7873693" y="3141625"/>
-            <a:ext cx="4144492" cy="369332"/>
+            <a:off x="7850400" y="583914"/>
+            <a:ext cx="4144492" cy="646331"/>
+          </a:xfrm>
+          <a:prstGeom prst="rect">
+            <a:avLst/>
+          </a:prstGeom>
+          <a:noFill/>
+        </p:spPr>
+        <p:txBody>
+          <a:bodyPr wrap="square" lIns="91440" tIns="45720" rIns="91440" bIns="45720" anchor="t">
+            <a:spAutoFit/>
+          </a:bodyPr>
+          <a:lstStyle/>
+          <a:p>
+            <a:r>
+              <a:rPr lang="en-US" sz="1800" b="1">
+                <a:solidFill>
+                  <a:schemeClr val="bg1"/>
+                </a:solidFill>
+                <a:latin typeface="Century Gothic" panose="020B0502020202020204" pitchFamily="34" charset="0"/>
+                <a:ea typeface="Open Sans Light" panose="020B0306030504020204" pitchFamily="34" charset="0"/>
+                <a:cs typeface="Poppins Medium"/>
+              </a:rPr>
+              <a:t>Explanation about themes and items</a:t>
+            </a:r>
+            <a:r>
+              <a:rPr lang="en-US" b="1">
+                <a:solidFill>
+                  <a:schemeClr val="bg1"/>
+                </a:solidFill>
+              </a:rPr>
+              <a:t> </a:t>
+            </a:r>
+            <a:endParaRPr lang="en-US">
+              <a:solidFill>
+                <a:schemeClr val="bg1"/>
+              </a:solidFill>
+            </a:endParaRPr>
+          </a:p>
+        </p:txBody>
+      </p:sp>
+      <p:sp>
+        <p:nvSpPr>
+          <p:cNvPr id="11" name="TextBox 10">
+            <a:extLst>
+              <a:ext uri="{FF2B5EF4-FFF2-40B4-BE49-F238E27FC236}">
+                <a16:creationId xmlns:a16="http://schemas.microsoft.com/office/drawing/2014/main" id="{B12853AF-CEF2-71E1-6B27-ACE07DD19820}"/>
+              </a:ext>
+            </a:extLst>
+          </p:cNvPr>
+          <p:cNvSpPr txBox="1"/>
+          <p:nvPr/>
+        </p:nvSpPr>
+        <p:spPr>
+          <a:xfrm>
+            <a:off x="7850400" y="1230245"/>
+            <a:ext cx="4144492" cy="3479350"/>
           </a:xfrm>
           <a:prstGeom prst="rect">
             <a:avLst/>
@@ -4130,45 +4003,6 @@
           </a:bodyPr>
           <a:lstStyle/>
           <a:p>
-            <a:r>
-              <a:rPr lang="en-US" b="1">
-                <a:solidFill>
-                  <a:schemeClr val="bg1"/>
-                </a:solidFill>
-              </a:rPr>
-              <a:t>Product vision</a:t>
-            </a:r>
-          </a:p>
-        </p:txBody>
-      </p:sp>
-      <p:sp>
-        <p:nvSpPr>
-          <p:cNvPr id="4" name="TextBox 3">
-            <a:extLst>
-              <a:ext uri="{FF2B5EF4-FFF2-40B4-BE49-F238E27FC236}">
-                <a16:creationId xmlns:a16="http://schemas.microsoft.com/office/drawing/2014/main" id="{0DE5D460-0CFE-26C3-4499-126414AE5F1A}"/>
-              </a:ext>
-            </a:extLst>
-          </p:cNvPr>
-          <p:cNvSpPr txBox="1"/>
-          <p:nvPr/>
-        </p:nvSpPr>
-        <p:spPr>
-          <a:xfrm>
-            <a:off x="7873694" y="3431582"/>
-            <a:ext cx="4144492" cy="2709909"/>
-          </a:xfrm>
-          <a:prstGeom prst="rect">
-            <a:avLst/>
-          </a:prstGeom>
-          <a:noFill/>
-        </p:spPr>
-        <p:txBody>
-          <a:bodyPr wrap="square">
-            <a:spAutoFit/>
-          </a:bodyPr>
-          <a:lstStyle/>
-          <a:p>
             <a:pPr>
               <a:lnSpc>
                 <a:spcPct val="150000"/>
@@ -4176,25 +4010,78 @@
               <a:defRPr/>
             </a:pPr>
             <a:r>
-              <a:rPr lang="en-US" sz="1000" b="1">
+              <a:rPr lang="en-US" sz="1000" i="1">
                 <a:solidFill>
-                  <a:schemeClr val="tx1"/>
+                  <a:srgbClr val="192743"/>
                 </a:solidFill>
-                <a:latin typeface="Century Gothic"/>
-                <a:ea typeface="Open Sans Light"/>
+                <a:latin typeface="Century Gothic" panose="020B0502020202020204" pitchFamily="34" charset="0"/>
+                <a:ea typeface="Open Sans Light" panose="020B0306030504020204" pitchFamily="34" charset="0"/>
                 <a:cs typeface="Poppins Medium"/>
               </a:rPr>
-              <a:t>Effectory is on a mission:</a:t>
+              <a:t>Items</a:t>
             </a:r>
             <a:r>
               <a:rPr lang="en-US" sz="1000">
                 <a:solidFill>
-                  <a:schemeClr val="tx1"/>
+                  <a:srgbClr val="192743"/>
                 </a:solidFill>
-                <a:ea typeface="+mn-lt"/>
-                <a:cs typeface="+mn-lt"/>
-              </a:rPr>
-              <a:t> create a better, happier and more productive work environment for everyone, world-wide with valuable interactions throughout the listening cycle, enabling leaders, teams and employees to listen, to learn and to act.</a:t>
+                <a:latin typeface="Century Gothic" panose="020B0502020202020204" pitchFamily="34" charset="0"/>
+                <a:ea typeface="Open Sans Light" panose="020B0306030504020204" pitchFamily="34" charset="0"/>
+                <a:cs typeface="Poppins Medium"/>
+              </a:rPr>
+              <a:t> are the statements or questions in the survey (e.g. I enjoy doing my work / tasks.) </a:t>
+            </a:r>
+          </a:p>
+          <a:p>
+            <a:pPr>
+              <a:lnSpc>
+                <a:spcPct val="150000"/>
+              </a:lnSpc>
+              <a:defRPr/>
+            </a:pPr>
+            <a:r>
+              <a:rPr lang="en-US" sz="1000" i="1">
+                <a:solidFill>
+                  <a:srgbClr val="192743"/>
+                </a:solidFill>
+                <a:latin typeface="Century Gothic" panose="020B0502020202020204" pitchFamily="34" charset="0"/>
+                <a:ea typeface="Open Sans Light" panose="020B0306030504020204" pitchFamily="34" charset="0"/>
+                <a:cs typeface="Poppins Medium"/>
+              </a:rPr>
+              <a:t>Themes</a:t>
+            </a:r>
+            <a:r>
+              <a:rPr lang="en-US" sz="1000">
+                <a:solidFill>
+                  <a:srgbClr val="192743"/>
+                </a:solidFill>
+                <a:latin typeface="Century Gothic" panose="020B0502020202020204" pitchFamily="34" charset="0"/>
+                <a:ea typeface="Open Sans Light" panose="020B0306030504020204" pitchFamily="34" charset="0"/>
+                <a:cs typeface="Poppins Medium"/>
+              </a:rPr>
+              <a:t> (in the survey results data file referred to as </a:t>
+            </a:r>
+            <a:r>
+              <a:rPr lang="en-US" sz="1000" i="1">
+                <a:solidFill>
+                  <a:srgbClr val="192743"/>
+                </a:solidFill>
+                <a:latin typeface="Century Gothic" panose="020B0502020202020204" pitchFamily="34" charset="0"/>
+                <a:ea typeface="Open Sans Light" panose="020B0306030504020204" pitchFamily="34" charset="0"/>
+                <a:cs typeface="Poppins Medium"/>
+              </a:rPr>
+              <a:t>Modules</a:t>
+            </a:r>
+            <a:r>
+              <a:rPr lang="en-US" sz="1000">
+                <a:solidFill>
+                  <a:srgbClr val="192743"/>
+                </a:solidFill>
+                <a:latin typeface="Century Gothic" panose="020B0502020202020204" pitchFamily="34" charset="0"/>
+                <a:ea typeface="Open Sans Light" panose="020B0306030504020204" pitchFamily="34" charset="0"/>
+                <a:cs typeface="Poppins Medium"/>
+              </a:rPr>
+              <a:t>) are relevant HR Topics that consist of one or multiple items. Themes are calculated as the average of underlying ordinal items on the 5-point-Likert scale.</a:t>
             </a:r>
           </a:p>
           <a:p>
@@ -4226,136 +4113,92 @@
                 <a:ea typeface="+mn-lt"/>
                 <a:cs typeface="+mn-lt"/>
               </a:rPr>
-              <a:t>3 pillars of our platform</a:t>
-            </a:r>
-            <a:endParaRPr lang="en-US">
-              <a:latin typeface="Century Gothic"/>
-              <a:ea typeface="+mn-lt"/>
-              <a:cs typeface="+mn-lt"/>
-            </a:endParaRPr>
-          </a:p>
-          <a:p>
-            <a:pPr marL="0" marR="0" lvl="0" indent="0" algn="l" defTabSz="914400" rtl="0" eaLnBrk="1" fontAlgn="auto" latinLnBrk="0" hangingPunct="1">
-              <a:lnSpc>
-                <a:spcPct val="100000"/>
-              </a:lnSpc>
-              <a:spcBef>
-                <a:spcPts val="0"/>
-              </a:spcBef>
-              <a:spcAft>
-                <a:spcPts val="0"/>
-              </a:spcAft>
-              <a:buClrTx/>
-              <a:buSzTx/>
-              <a:buFontTx/>
-              <a:buNone/>
-              <a:tabLst/>
-              <a:defRPr/>
-            </a:pPr>
-            <a:r>
-              <a:rPr lang="en-US" sz="1000" b="1">
-                <a:solidFill>
-                  <a:schemeClr val="tx1"/>
-                </a:solidFill>
-                <a:latin typeface="Century Gothic"/>
-                <a:ea typeface="+mn-lt"/>
-                <a:cs typeface="+mn-lt"/>
-              </a:rPr>
-              <a:t>Listen.</a:t>
-            </a:r>
-            <a:r>
-              <a:rPr lang="en-US" sz="1000">
-                <a:solidFill>
-                  <a:schemeClr val="tx1"/>
-                </a:solidFill>
-                <a:latin typeface="Century Gothic"/>
-                <a:ea typeface="+mn-lt"/>
-                <a:cs typeface="+mn-lt"/>
-              </a:rPr>
-              <a:t> </a:t>
-            </a:r>
-            <a:r>
-              <a:rPr lang="en-US" sz="1000">
-                <a:latin typeface="Century Gothic" panose="020F0302020204030204"/>
-              </a:rPr>
-              <a:t>All coordinators can listen quickly, easily and flexibly.</a:t>
-            </a:r>
-            <a:endParaRPr lang="en-US" sz="1000">
-              <a:solidFill>
-                <a:schemeClr val="tx1"/>
-              </a:solidFill>
-              <a:latin typeface="Century Gothic"/>
-              <a:ea typeface="Open Sans Light"/>
-              <a:cs typeface="Poppins Medium"/>
-            </a:endParaRPr>
-          </a:p>
-          <a:p>
-            <a:pPr>
+              <a:t>Engagement theme items:</a:t>
+            </a:r>
+          </a:p>
+          <a:p>
+            <a:pPr marL="228600" indent="-228600">
               <a:lnSpc>
                 <a:spcPct val="150000"/>
               </a:lnSpc>
+              <a:buFont typeface="Arial" panose="020B0604020202020204" pitchFamily="34" charset="0"/>
+              <a:buChar char="•"/>
               <a:defRPr/>
             </a:pPr>
             <a:r>
-              <a:rPr lang="en-US" sz="1000" b="1">
-                <a:latin typeface="Century Gothic"/>
-                <a:ea typeface="Open Sans Light"/>
+              <a:rPr lang="en-US" sz="1000">
+                <a:solidFill>
+                  <a:srgbClr val="192743"/>
+                </a:solidFill>
+                <a:latin typeface="Century Gothic" panose="020B0502020202020204" pitchFamily="34" charset="0"/>
+                <a:ea typeface="Open Sans Light" panose="020B0306030504020204" pitchFamily="34" charset="0"/>
                 <a:cs typeface="Poppins Medium"/>
               </a:rPr>
-              <a:t>Learn.</a:t>
-            </a:r>
-            <a:r>
-              <a:rPr lang="en-US" sz="1000">
-                <a:latin typeface="Century Gothic"/>
-                <a:ea typeface="Open Sans Light"/>
-                <a:cs typeface="Poppins Medium"/>
-              </a:rPr>
-              <a:t> </a:t>
-            </a:r>
-            <a:r>
-              <a:rPr lang="en-US" sz="1000">
-                <a:latin typeface="Century Gothic" panose="020F0302020204030204"/>
-              </a:rPr>
-              <a:t>Dynamic insights that are relevant and actionable.</a:t>
-            </a:r>
-            <a:endParaRPr kumimoji="0" lang="en-US" sz="1000" i="0" u="none" strike="noStrike" kern="1200" cap="none" spc="0" normalizeH="0" baseline="0" noProof="0">
-              <a:ln>
-                <a:noFill/>
-              </a:ln>
-              <a:effectLst/>
-              <a:uLnTx/>
-              <a:uFillTx/>
-              <a:latin typeface="Century Gothic" panose="020F0302020204030204"/>
-            </a:endParaRPr>
-          </a:p>
-          <a:p>
-            <a:pPr>
+              <a:t>I enjoy doing my work / tasks</a:t>
+            </a:r>
+          </a:p>
+          <a:p>
+            <a:pPr marL="228600" indent="-228600">
               <a:lnSpc>
                 <a:spcPct val="150000"/>
               </a:lnSpc>
+              <a:buFont typeface="Arial" panose="020B0604020202020204" pitchFamily="34" charset="0"/>
+              <a:buChar char="•"/>
               <a:defRPr/>
             </a:pPr>
             <a:r>
-              <a:rPr lang="en-US" sz="1000" b="1">
-                <a:latin typeface="Century Gothic" panose="020F0302020204030204"/>
-              </a:rPr>
-              <a:t>Lead.</a:t>
-            </a:r>
-            <a:r>
               <a:rPr lang="en-US" sz="1000">
-                <a:latin typeface="Century Gothic" panose="020F0302020204030204"/>
-              </a:rPr>
-              <a:t> Inspiration to act and to improve on all levels.</a:t>
-            </a:r>
-            <a:endParaRPr kumimoji="0" lang="en-US" sz="1000" i="0" u="none" strike="noStrike" kern="1200" cap="none" spc="0" normalizeH="0" baseline="0" noProof="0">
-              <a:ln>
-                <a:noFill/>
-              </a:ln>
-              <a:effectLst/>
-              <a:uLnTx/>
-              <a:uFillTx/>
-              <a:latin typeface="Century Gothic" panose="020F0302020204030204"/>
-            </a:endParaRPr>
+                <a:solidFill>
+                  <a:srgbClr val="192743"/>
+                </a:solidFill>
+                <a:latin typeface="Century Gothic" panose="020B0502020202020204" pitchFamily="34" charset="0"/>
+                <a:ea typeface="Open Sans Light" panose="020B0306030504020204" pitchFamily="34" charset="0"/>
+                <a:cs typeface="Poppins Medium"/>
+              </a:rPr>
+              <a:t>Doing my work gives me energy</a:t>
+            </a:r>
+          </a:p>
+          <a:p>
+            <a:pPr marL="228600" indent="-228600">
+              <a:lnSpc>
+                <a:spcPct val="150000"/>
+              </a:lnSpc>
+              <a:buFont typeface="Arial" panose="020B0604020202020204" pitchFamily="34" charset="0"/>
+              <a:buChar char="•"/>
+              <a:defRPr/>
+            </a:pPr>
+            <a:r>
+              <a:rPr lang="en-US" sz="1000">
+                <a:solidFill>
+                  <a:srgbClr val="192743"/>
+                </a:solidFill>
+                <a:latin typeface="Century Gothic" panose="020B0502020202020204" pitchFamily="34" charset="0"/>
+                <a:ea typeface="Open Sans Light" panose="020B0306030504020204" pitchFamily="34" charset="0"/>
+                <a:cs typeface="Poppins Medium"/>
+              </a:rPr>
+              <a:t>I am proud to work at my organization</a:t>
+            </a:r>
+          </a:p>
+          <a:p>
+            <a:pPr marL="228600" indent="-228600">
+              <a:lnSpc>
+                <a:spcPct val="150000"/>
+              </a:lnSpc>
+              <a:buFont typeface="Arial" panose="020B0604020202020204" pitchFamily="34" charset="0"/>
+              <a:buChar char="•"/>
+              <a:defRPr/>
+            </a:pPr>
+            <a:r>
+              <a:rPr lang="en-US" sz="1000">
+                <a:solidFill>
+                  <a:srgbClr val="192743"/>
+                </a:solidFill>
+                <a:latin typeface="Century Gothic" panose="020B0502020202020204" pitchFamily="34" charset="0"/>
+                <a:ea typeface="Open Sans Light" panose="020B0306030504020204" pitchFamily="34" charset="0"/>
+                <a:cs typeface="Poppins Medium"/>
+              </a:rPr>
+              <a:t>I feel that I fit in at my organization</a:t>
+            </a:r>
           </a:p>
           <a:p>
             <a:pPr>
@@ -4392,233 +4235,6 @@
               </a:rPr>
               <a:t> </a:t>
             </a:r>
-          </a:p>
-        </p:txBody>
-      </p:sp>
-      <p:pic>
-        <p:nvPicPr>
-          <p:cNvPr id="9" name="Picture 8">
-            <a:extLst>
-              <a:ext uri="{FF2B5EF4-FFF2-40B4-BE49-F238E27FC236}">
-                <a16:creationId xmlns:a16="http://schemas.microsoft.com/office/drawing/2014/main" id="{D2B22A2B-AC42-F5E4-48FE-1C2964999C86}"/>
-              </a:ext>
-            </a:extLst>
-          </p:cNvPr>
-          <p:cNvPicPr>
-            <a:picLocks noChangeAspect="1"/>
-          </p:cNvPicPr>
-          <p:nvPr/>
-        </p:nvPicPr>
-        <p:blipFill>
-          <a:blip r:embed="rId2" cstate="print">
-            <a:extLst>
-              <a:ext uri="{28A0092B-C50C-407E-A947-70E740481C1C}">
-                <a14:useLocalDpi xmlns:a14="http://schemas.microsoft.com/office/drawing/2010/main" val="0"/>
-              </a:ext>
-            </a:extLst>
-          </a:blip>
-          <a:stretch>
-            <a:fillRect/>
-          </a:stretch>
-        </p:blipFill>
-        <p:spPr>
-          <a:xfrm>
-            <a:off x="8481682" y="6189542"/>
-            <a:ext cx="2928514" cy="279967"/>
-          </a:xfrm>
-          <a:prstGeom prst="rect">
-            <a:avLst/>
-          </a:prstGeom>
-        </p:spPr>
-      </p:pic>
-      <p:sp>
-        <p:nvSpPr>
-          <p:cNvPr id="6" name="TextBox 5">
-            <a:extLst>
-              <a:ext uri="{FF2B5EF4-FFF2-40B4-BE49-F238E27FC236}">
-                <a16:creationId xmlns:a16="http://schemas.microsoft.com/office/drawing/2014/main" id="{A7F0E912-F3BB-B213-4C5C-A308B5C0C0BE}"/>
-              </a:ext>
-            </a:extLst>
-          </p:cNvPr>
-          <p:cNvSpPr txBox="1"/>
-          <p:nvPr/>
-        </p:nvSpPr>
-        <p:spPr>
-          <a:xfrm>
-            <a:off x="7850400" y="1014228"/>
-            <a:ext cx="4191225" cy="1477328"/>
-          </a:xfrm>
-          <a:prstGeom prst="rect">
-            <a:avLst/>
-          </a:prstGeom>
-          <a:noFill/>
-        </p:spPr>
-        <p:txBody>
-          <a:bodyPr wrap="square" lIns="91440" tIns="45720" rIns="91440" bIns="45720" rtlCol="0" anchor="t">
-            <a:spAutoFit/>
-          </a:bodyPr>
-          <a:lstStyle/>
-          <a:p>
-            <a:r>
-              <a:rPr lang="en-US" sz="900" b="1">
-                <a:solidFill>
-                  <a:srgbClr val="192743"/>
-                </a:solidFill>
-                <a:ea typeface="+mn-lt"/>
-                <a:cs typeface="+mn-lt"/>
-              </a:rPr>
-              <a:t>Day before the  case</a:t>
-            </a:r>
-            <a:br>
-              <a:rPr lang="en-US" sz="900"/>
-            </a:br>
-            <a:r>
-              <a:rPr lang="en-US" sz="900" err="1">
-                <a:solidFill>
-                  <a:srgbClr val="192743"/>
-                </a:solidFill>
-              </a:rPr>
-              <a:t>n.a.</a:t>
-            </a:r>
-            <a:r>
-              <a:rPr lang="en-US" sz="900">
-                <a:solidFill>
-                  <a:srgbClr val="192743"/>
-                </a:solidFill>
-              </a:rPr>
-              <a:t>       | You receive the briefing from </a:t>
-            </a:r>
-            <a:r>
-              <a:rPr lang="en-US" sz="900" err="1">
-                <a:solidFill>
-                  <a:srgbClr val="192743"/>
-                </a:solidFill>
-              </a:rPr>
-              <a:t>Effectory</a:t>
-            </a:r>
-          </a:p>
-          <a:p>
-            <a:r>
-              <a:rPr lang="en-US" sz="900" err="1">
-                <a:solidFill>
-                  <a:srgbClr val="192743"/>
-                </a:solidFill>
-              </a:rPr>
-              <a:t>n.a.</a:t>
-            </a:r>
-            <a:r>
-              <a:rPr lang="en-US" sz="900">
-                <a:solidFill>
-                  <a:srgbClr val="192743"/>
-                </a:solidFill>
-              </a:rPr>
-              <a:t>       | You read up on the case and prepare solution</a:t>
-            </a:r>
-          </a:p>
-          <a:p>
-            <a:br>
-              <a:rPr lang="en-US" sz="900"/>
-            </a:br>
-            <a:r>
-              <a:rPr lang="en-US" sz="900" b="1">
-                <a:solidFill>
-                  <a:srgbClr val="192743"/>
-                </a:solidFill>
-              </a:rPr>
-              <a:t>Day of case </a:t>
-            </a:r>
-          </a:p>
-          <a:p>
-            <a:r>
-              <a:rPr lang="en-US" sz="900">
-                <a:solidFill>
-                  <a:srgbClr val="192743"/>
-                </a:solidFill>
-              </a:rPr>
-              <a:t>10 mins | You get to prepare the room </a:t>
-            </a:r>
-          </a:p>
-          <a:p>
-            <a:r>
-              <a:rPr lang="en-US" sz="900">
-                <a:solidFill>
-                  <a:srgbClr val="192743"/>
-                </a:solidFill>
-              </a:rPr>
-              <a:t>40 mins | You present your solutions + we ask questions</a:t>
-            </a:r>
-            <a:endParaRPr lang="en-US"/>
-          </a:p>
-          <a:p>
-            <a:r>
-              <a:rPr lang="en-US" sz="900">
-                <a:solidFill>
-                  <a:srgbClr val="192743"/>
-                </a:solidFill>
-              </a:rPr>
-              <a:t>25 mins | Discussion </a:t>
-            </a:r>
-          </a:p>
-          <a:p>
-            <a:r>
-              <a:rPr lang="en-US" sz="900">
-                <a:solidFill>
-                  <a:srgbClr val="192743"/>
-                </a:solidFill>
-              </a:rPr>
-              <a:t>5 mins   | We give each other feedback</a:t>
-            </a:r>
-          </a:p>
-          <a:p>
-            <a:endParaRPr lang="en-US" sz="900">
-              <a:solidFill>
-                <a:schemeClr val="tx2"/>
-              </a:solidFill>
-            </a:endParaRPr>
-          </a:p>
-        </p:txBody>
-      </p:sp>
-      <p:sp>
-        <p:nvSpPr>
-          <p:cNvPr id="12" name="TextBox 11">
-            <a:extLst>
-              <a:ext uri="{FF2B5EF4-FFF2-40B4-BE49-F238E27FC236}">
-                <a16:creationId xmlns:a16="http://schemas.microsoft.com/office/drawing/2014/main" id="{F72604C1-6933-D622-0346-DFCD05083AA8}"/>
-              </a:ext>
-            </a:extLst>
-          </p:cNvPr>
-          <p:cNvSpPr txBox="1"/>
-          <p:nvPr/>
-        </p:nvSpPr>
-        <p:spPr>
-          <a:xfrm>
-            <a:off x="7850400" y="583914"/>
-            <a:ext cx="4144492" cy="369332"/>
-          </a:xfrm>
-          <a:prstGeom prst="rect">
-            <a:avLst/>
-          </a:prstGeom>
-          <a:noFill/>
-        </p:spPr>
-        <p:txBody>
-          <a:bodyPr wrap="square" lIns="91440" tIns="45720" rIns="91440" bIns="45720" anchor="t">
-            <a:spAutoFit/>
-          </a:bodyPr>
-          <a:lstStyle/>
-          <a:p>
-            <a:r>
-              <a:rPr lang="en-US" b="1">
-                <a:solidFill>
-                  <a:schemeClr val="bg1"/>
-                </a:solidFill>
-              </a:rPr>
-              <a:t>Timeline </a:t>
-            </a:r>
-            <a:endParaRPr lang="en-US">
-              <a:solidFill>
-                <a:schemeClr val="bg1"/>
-              </a:solidFill>
-            </a:endParaRPr>
           </a:p>
         </p:txBody>
       </p:sp>
@@ -4702,7 +4318,7 @@
         <p:spPr>
           <a:xfrm>
             <a:off x="662151" y="1394523"/>
-            <a:ext cx="10729524" cy="4310347"/>
+            <a:ext cx="7014434" cy="4618124"/>
           </a:xfrm>
           <a:prstGeom prst="rect">
             <a:avLst/>
@@ -4722,9 +4338,9 @@
               <a:defRPr/>
             </a:pPr>
             <a:r>
-              <a:rPr lang="nl-NL" sz="1400" b="1" err="1">
+              <a:rPr lang="nl-NL" sz="1400" b="1" dirty="0" err="1">
                 <a:solidFill>
-                  <a:srgbClr val="192743"/>
+                  <a:schemeClr val="bg2"/>
                 </a:solidFill>
                 <a:latin typeface="Century Gothic"/>
                 <a:ea typeface="Open Sans Light"/>
@@ -4733,9 +4349,9 @@
               <a:t>What</a:t>
             </a:r>
             <a:r>
-              <a:rPr lang="nl-NL" sz="1400" b="1">
+              <a:rPr lang="nl-NL" sz="1400" b="1" dirty="0">
                 <a:solidFill>
-                  <a:srgbClr val="192743"/>
+                  <a:schemeClr val="bg2"/>
                 </a:solidFill>
                 <a:latin typeface="Century Gothic"/>
                 <a:ea typeface="Open Sans Light"/>
@@ -4744,9 +4360,9 @@
               <a:t> is </a:t>
             </a:r>
             <a:r>
-              <a:rPr lang="nl-NL" sz="1400" b="1" err="1">
+              <a:rPr lang="nl-NL" sz="1400" b="1" dirty="0" err="1">
                 <a:solidFill>
-                  <a:srgbClr val="192743"/>
+                  <a:schemeClr val="bg2"/>
                 </a:solidFill>
                 <a:latin typeface="Century Gothic"/>
                 <a:ea typeface="Open Sans Light"/>
@@ -4755,9 +4371,9 @@
               <a:t>expected</a:t>
             </a:r>
             <a:r>
-              <a:rPr lang="nl-NL" sz="1400" b="1">
+              <a:rPr lang="nl-NL" sz="1400" b="1" dirty="0">
                 <a:solidFill>
-                  <a:srgbClr val="192743"/>
+                  <a:schemeClr val="bg2"/>
                 </a:solidFill>
                 <a:latin typeface="Century Gothic"/>
                 <a:ea typeface="Open Sans Light"/>
@@ -4766,9 +4382,9 @@
               <a:t> of </a:t>
             </a:r>
             <a:r>
-              <a:rPr lang="nl-NL" sz="1400" b="1" err="1">
+              <a:rPr lang="nl-NL" sz="1400" b="1" dirty="0" err="1">
                 <a:solidFill>
-                  <a:srgbClr val="192743"/>
+                  <a:schemeClr val="bg2"/>
                 </a:solidFill>
                 <a:latin typeface="Century Gothic"/>
                 <a:ea typeface="Open Sans Light"/>
@@ -4776,17 +4392,14 @@
               </a:rPr>
               <a:t>you</a:t>
             </a:r>
-            <a:endParaRPr lang="nl-NL" sz="1400" b="1">
+            <a:endParaRPr lang="nl-NL" sz="1400" b="1" dirty="0">
               <a:solidFill>
-                <a:srgbClr val="192743"/>
+                <a:schemeClr val="bg2"/>
               </a:solidFill>
               <a:latin typeface="Century Gothic"/>
               <a:ea typeface="Open Sans Light"/>
               <a:cs typeface="Poppins Medium"/>
             </a:endParaRPr>
-          </a:p>
-          <a:p>
-            <a:endParaRPr lang="en-US" sz="1000" i="1" u="sng"/>
           </a:p>
           <a:p>
             <a:pPr>
@@ -4798,29 +4411,29 @@
               </a:spcAft>
             </a:pPr>
             <a:r>
-              <a:rPr lang="en-US" sz="1000">
+              <a:rPr lang="en-US" sz="1000" dirty="0">
                 <a:effectLst/>
                 <a:latin typeface="+mj-lt"/>
-                <a:ea typeface="Calibri" panose="020F0502020204030204" pitchFamily="34" charset="0"/>
-                <a:cs typeface="Times New Roman" panose="02020603050405020304" pitchFamily="18" charset="0"/>
+                <a:ea typeface="Calibri"/>
+                <a:cs typeface="Times New Roman"/>
               </a:rPr>
               <a:t>With Python/</a:t>
             </a:r>
             <a:r>
-              <a:rPr lang="en-US" sz="1000" err="1">
+              <a:rPr lang="en-US" sz="1000" dirty="0" err="1">
                 <a:effectLst/>
                 <a:latin typeface="+mj-lt"/>
-                <a:ea typeface="Calibri" panose="020F0502020204030204" pitchFamily="34" charset="0"/>
-                <a:cs typeface="Times New Roman" panose="02020603050405020304" pitchFamily="18" charset="0"/>
+                <a:ea typeface="Calibri"/>
+                <a:cs typeface="Times New Roman"/>
               </a:rPr>
               <a:t>Jupyter</a:t>
             </a:r>
             <a:r>
-              <a:rPr lang="en-US" sz="1000">
+              <a:rPr lang="en-US" sz="1000" dirty="0">
                 <a:effectLst/>
                 <a:latin typeface="+mj-lt"/>
-                <a:ea typeface="Calibri" panose="020F0502020204030204" pitchFamily="34" charset="0"/>
-                <a:cs typeface="Times New Roman" panose="02020603050405020304" pitchFamily="18" charset="0"/>
+                <a:ea typeface="Calibri"/>
+                <a:cs typeface="Times New Roman"/>
               </a:rPr>
               <a:t> Notebook solve this case.</a:t>
             </a:r>
@@ -4835,39 +4448,47 @@
               </a:spcAft>
             </a:pPr>
             <a:r>
-              <a:rPr lang="en-US" sz="1000">
+              <a:rPr lang="en-US" sz="1000" dirty="0">
                 <a:effectLst/>
                 <a:latin typeface="+mj-lt"/>
-                <a:ea typeface="Calibri" panose="020F0502020204030204" pitchFamily="34" charset="0"/>
-                <a:cs typeface="Times New Roman" panose="02020603050405020304" pitchFamily="18" charset="0"/>
+                <a:ea typeface="Calibri"/>
+                <a:cs typeface="Times New Roman"/>
               </a:rPr>
               <a:t>As part of this case, you are provided with a </a:t>
             </a:r>
             <a:r>
-              <a:rPr lang="en-US" sz="1000" i="1">
+              <a:rPr lang="en-US" sz="1000" i="1" dirty="0">
                 <a:latin typeface="+mj-lt"/>
-                <a:ea typeface="Calibri" panose="020F0502020204030204" pitchFamily="34" charset="0"/>
-                <a:cs typeface="Times New Roman" panose="02020603050405020304" pitchFamily="18" charset="0"/>
+                <a:ea typeface="Calibri"/>
+                <a:cs typeface="Times New Roman"/>
               </a:rPr>
               <a:t>survey results</a:t>
             </a:r>
             <a:r>
-              <a:rPr lang="en-US" sz="1000" i="1">
+              <a:rPr lang="en-US" sz="1000" i="1" dirty="0">
                 <a:effectLst/>
                 <a:latin typeface="+mj-lt"/>
-                <a:ea typeface="Calibri" panose="020F0502020204030204" pitchFamily="34" charset="0"/>
-                <a:cs typeface="Times New Roman" panose="02020603050405020304" pitchFamily="18" charset="0"/>
+                <a:ea typeface="Calibri"/>
+                <a:cs typeface="Times New Roman"/>
               </a:rPr>
               <a:t> data file </a:t>
             </a:r>
             <a:r>
-              <a:rPr lang="en-US" sz="1000">
+              <a:rPr lang="en-US" sz="1000" dirty="0">
+                <a:latin typeface="+mj-lt"/>
+                <a:ea typeface="Calibri"/>
+                <a:cs typeface="Times New Roman"/>
+              </a:rPr>
+              <a:t>containing</a:t>
+            </a:r>
+            <a:r>
+              <a:rPr lang="en-US" sz="1000" dirty="0">
                 <a:effectLst/>
                 <a:latin typeface="+mj-lt"/>
-                <a:ea typeface="Calibri" panose="020F0502020204030204" pitchFamily="34" charset="0"/>
-                <a:cs typeface="Times New Roman" panose="02020603050405020304" pitchFamily="18" charset="0"/>
-              </a:rPr>
-              <a:t>that represent the answers to a survey by a fictional client called ‘The Organization’. The questions below are the ones that you should have solutions for in your notebook. We will ask you explain what you have done in your notebooks and why. </a:t>
+                <a:ea typeface="Calibri"/>
+                <a:cs typeface="Times New Roman"/>
+              </a:rPr>
+              <a:t> the answers to a survey by a fictional customer called ‘The Organization’. The questions below are the ones that you should have solutions for in your notebook. We will ask you explain what you have done in your notebooks and why. </a:t>
             </a:r>
           </a:p>
           <a:p>
@@ -4880,13 +4501,13 @@
               </a:spcAft>
             </a:pPr>
             <a:r>
-              <a:rPr lang="en-US" sz="1000">
+              <a:rPr lang="en-US" sz="1000" dirty="0">
                 <a:effectLst/>
                 <a:latin typeface="+mj-lt"/>
                 <a:ea typeface="Calibri"/>
                 <a:cs typeface="Times New Roman"/>
               </a:rPr>
-              <a:t>Based on a sample of client data:</a:t>
+              <a:t>Based on a sample of customer data:</a:t>
             </a:r>
           </a:p>
           <a:p>
@@ -4898,11 +4519,11 @@
               <a:buAutoNum type="arabicPeriod"/>
             </a:pPr>
             <a:r>
-              <a:rPr lang="en-US" sz="1000">
+              <a:rPr lang="en-US" sz="1000" dirty="0">
                 <a:effectLst/>
                 <a:latin typeface="+mj-lt"/>
-                <a:ea typeface="Calibri" panose="020F0502020204030204" pitchFamily="34" charset="0"/>
-                <a:cs typeface="Times New Roman" panose="02020603050405020304" pitchFamily="18" charset="0"/>
+                <a:ea typeface="Calibri"/>
+                <a:cs typeface="Times New Roman"/>
               </a:rPr>
               <a:t>What would be your approach to see how The Organization is performing on this survey?</a:t>
             </a:r>
@@ -4915,7 +4536,7 @@
               <a:buAutoNum type="arabicPeriod"/>
             </a:pPr>
             <a:r>
-              <a:rPr lang="en-US" sz="1000">
+              <a:rPr lang="en-US" sz="1000" dirty="0">
                 <a:latin typeface="+mj-lt"/>
                 <a:ea typeface="Calibri"/>
                 <a:cs typeface="Times New Roman"/>
@@ -4932,7 +4553,7 @@
               <a:buAutoNum type="arabicPeriod"/>
             </a:pPr>
             <a:r>
-              <a:rPr lang="en-US" sz="1000">
+              <a:rPr lang="en-US" sz="1000" dirty="0">
                 <a:effectLst/>
                 <a:latin typeface="+mj-lt"/>
                 <a:ea typeface="Calibri"/>
@@ -4941,14 +4562,14 @@
               <a:t>Managers of The Organization are interested in suggestions </a:t>
             </a:r>
             <a:r>
-              <a:rPr lang="en-US" sz="1000">
+              <a:rPr lang="en-US" sz="1000" dirty="0">
                 <a:latin typeface="+mj-lt"/>
                 <a:ea typeface="Calibri"/>
                 <a:cs typeface="Times New Roman"/>
               </a:rPr>
               <a:t>for improvement</a:t>
             </a:r>
-            <a:endParaRPr lang="en-US" sz="1000">
+            <a:endParaRPr lang="en-US" sz="1000" dirty="0">
               <a:effectLst/>
               <a:latin typeface="+mj-lt"/>
               <a:ea typeface="Calibri"/>
@@ -4964,15 +4585,15 @@
               <a:buChar char="o"/>
             </a:pPr>
             <a:r>
-              <a:rPr lang="en-US" sz="1000">
+              <a:rPr lang="en-US" sz="1000" dirty="0">
                 <a:latin typeface="+mj-lt"/>
                 <a:ea typeface="Calibri"/>
                 <a:cs typeface="Times New Roman"/>
               </a:rPr>
-              <a:t>The customer specifically asks for correlation analysis on Engagement, Employer Excellence, </a:t>
-            </a:r>
-            <a:r>
-              <a:rPr lang="en-US" sz="1000" err="1">
+              <a:t>The customer specifically asks for correlation analysis on Engagement, Employer Excellence and </a:t>
+            </a:r>
+            <a:r>
+              <a:rPr lang="en-US" sz="1000" dirty="0" err="1">
                 <a:latin typeface="+mj-lt"/>
                 <a:ea typeface="Calibri"/>
                 <a:cs typeface="Times New Roman"/>
@@ -4980,7 +4601,7 @@
               <a:t>eNPS</a:t>
             </a:r>
             <a:r>
-              <a:rPr lang="en-US" sz="1000">
+              <a:rPr lang="en-US" sz="1000" dirty="0">
                 <a:latin typeface="+mj-lt"/>
                 <a:ea typeface="Calibri"/>
                 <a:cs typeface="Times New Roman"/>
@@ -4997,16 +4618,16 @@
               <a:buAutoNum type="arabicPeriod"/>
             </a:pPr>
             <a:r>
-              <a:rPr lang="en-US" sz="1000">
+              <a:rPr lang="en-US" sz="1000" dirty="0">
                 <a:effectLst/>
                 <a:latin typeface="+mj-lt"/>
                 <a:ea typeface="Calibri"/>
                 <a:cs typeface="Times New Roman"/>
               </a:rPr>
-              <a:t>The client The Organization is interested in what </a:t>
-            </a:r>
-            <a:r>
-              <a:rPr lang="en-US" sz="1000">
+              <a:t>The customer The Organization is interested in what </a:t>
+            </a:r>
+            <a:r>
+              <a:rPr lang="en-US" sz="1000" dirty="0">
                 <a:latin typeface="+mj-lt"/>
                 <a:ea typeface="Calibri"/>
                 <a:cs typeface="Times New Roman"/>
@@ -5014,7 +4635,7 @@
               <a:t>other factors</a:t>
             </a:r>
             <a:r>
-              <a:rPr lang="en-US" sz="1000">
+              <a:rPr lang="en-US" sz="1000" dirty="0">
                 <a:effectLst/>
                 <a:latin typeface="+mj-lt"/>
                 <a:ea typeface="Calibri"/>
@@ -5023,7 +4644,7 @@
               <a:t> </a:t>
             </a:r>
             <a:r>
-              <a:rPr lang="en-US" sz="1000">
+              <a:rPr lang="en-US" sz="1000" dirty="0">
                 <a:latin typeface="+mj-lt"/>
                 <a:ea typeface="Calibri"/>
                 <a:cs typeface="Times New Roman"/>
@@ -5031,7 +4652,7 @@
               <a:t>predict</a:t>
             </a:r>
             <a:r>
-              <a:rPr lang="en-US" sz="1000">
+              <a:rPr lang="en-US" sz="1000" dirty="0">
                 <a:effectLst/>
                 <a:latin typeface="+mj-lt"/>
                 <a:ea typeface="Calibri"/>
@@ -5040,7 +4661,7 @@
               <a:t> increased intention to leave The Organization (</a:t>
             </a:r>
             <a:r>
-              <a:rPr lang="en-US" sz="1000" err="1">
+              <a:rPr lang="en-US" sz="1000" dirty="0" err="1">
                 <a:effectLst/>
                 <a:latin typeface="+mj-lt"/>
                 <a:ea typeface="Calibri"/>
@@ -5049,7 +4670,7 @@
               <a:t>QuestionId</a:t>
             </a:r>
             <a:r>
-              <a:rPr lang="en-US" sz="1000">
+              <a:rPr lang="en-US" sz="1000" dirty="0">
                 <a:effectLst/>
                 <a:latin typeface="+mj-lt"/>
                 <a:ea typeface="Calibri"/>
@@ -5067,24 +4688,24 @@
               <a:buAutoNum type="arabicPeriod"/>
             </a:pPr>
             <a:r>
-              <a:rPr lang="en-US" sz="1000">
+              <a:rPr lang="en-US" sz="1000" dirty="0">
                 <a:effectLst/>
                 <a:latin typeface="+mj-lt"/>
                 <a:ea typeface="Calibri"/>
                 <a:cs typeface="Times New Roman"/>
               </a:rPr>
-              <a:t>Managers of The Organization would like to know what margin do you see in the data for them to improve their</a:t>
-            </a:r>
-            <a:r>
-              <a:rPr lang="en-US" sz="1000">
+              <a:t>Managers of The Organization would like to know what margin do you see in the data for them to improve </a:t>
+            </a:r>
+            <a:r>
+              <a:rPr lang="en-US" sz="1000" dirty="0">
                 <a:latin typeface="+mj-lt"/>
                 <a:ea typeface="Calibri"/>
                 <a:cs typeface="Times New Roman"/>
               </a:rPr>
-              <a:t> problem area (mentioned in 3.) </a:t>
-            </a:r>
-            <a:r>
-              <a:rPr lang="en-US" sz="1000">
+              <a:t>in their problem area(s) </a:t>
+            </a:r>
+            <a:r>
+              <a:rPr lang="en-US" sz="1000" dirty="0">
                 <a:effectLst/>
                 <a:latin typeface="+mj-lt"/>
                 <a:ea typeface="Calibri"/>
@@ -5093,14 +4714,14 @@
               <a:t>for the next survey</a:t>
             </a:r>
             <a:r>
-              <a:rPr lang="en-US" sz="1000">
+              <a:rPr lang="en-US" sz="1000" dirty="0">
                 <a:latin typeface="+mj-lt"/>
                 <a:ea typeface="Calibri"/>
                 <a:cs typeface="Times New Roman"/>
               </a:rPr>
               <a:t>. What KPI target values would you suggest and why?</a:t>
             </a:r>
-            <a:endParaRPr lang="en-US" sz="1000">
+            <a:endParaRPr lang="en-US" sz="1000" dirty="0">
               <a:effectLst/>
               <a:latin typeface="+mj-lt"/>
               <a:ea typeface="Calibri"/>
@@ -5130,13 +4751,589 @@
               </a:spcAft>
             </a:pPr>
             <a:r>
+              <a:rPr lang="en-US" sz="1000" dirty="0">
+                <a:latin typeface="+mj-lt"/>
+                <a:ea typeface="Calibri"/>
+                <a:cs typeface="Times New Roman"/>
+              </a:rPr>
+              <a:t>We recommend you spend 4-6 hours on this case.</a:t>
+            </a:r>
+          </a:p>
+        </p:txBody>
+      </p:sp>
+      <p:sp>
+        <p:nvSpPr>
+          <p:cNvPr id="8" name="Rectangle 7">
+            <a:extLst>
+              <a:ext uri="{FF2B5EF4-FFF2-40B4-BE49-F238E27FC236}">
+                <a16:creationId xmlns:a16="http://schemas.microsoft.com/office/drawing/2014/main" id="{701E2D76-1141-5BA6-75A4-6727D13F5D44}"/>
+              </a:ext>
+            </a:extLst>
+          </p:cNvPr>
+          <p:cNvSpPr/>
+          <p:nvPr/>
+        </p:nvSpPr>
+        <p:spPr>
+          <a:xfrm>
+            <a:off x="7676585" y="0"/>
+            <a:ext cx="4492121" cy="6858000"/>
+          </a:xfrm>
+          <a:prstGeom prst="rect">
+            <a:avLst/>
+          </a:prstGeom>
+          <a:solidFill>
+            <a:schemeClr val="bg2"/>
+          </a:solidFill>
+          <a:ln>
+            <a:noFill/>
+          </a:ln>
+        </p:spPr>
+        <p:style>
+          <a:lnRef idx="2">
+            <a:schemeClr val="accent1">
+              <a:shade val="50000"/>
+            </a:schemeClr>
+          </a:lnRef>
+          <a:fillRef idx="1">
+            <a:schemeClr val="accent1"/>
+          </a:fillRef>
+          <a:effectRef idx="0">
+            <a:schemeClr val="accent1"/>
+          </a:effectRef>
+          <a:fontRef idx="minor">
+            <a:schemeClr val="lt1"/>
+          </a:fontRef>
+        </p:style>
+        <p:txBody>
+          <a:bodyPr rtlCol="0" anchor="ctr"/>
+          <a:lstStyle/>
+          <a:p>
+            <a:pPr>
+              <a:lnSpc>
+                <a:spcPct val="150000"/>
+              </a:lnSpc>
+              <a:defRPr/>
+            </a:pPr>
+            <a:endParaRPr lang="en-US" sz="1100">
+              <a:solidFill>
+                <a:schemeClr val="tx1"/>
+              </a:solidFill>
+              <a:latin typeface="Century Gothic"/>
+              <a:ea typeface="Open Sans Light"/>
+              <a:cs typeface="Poppins Medium"/>
+            </a:endParaRPr>
+          </a:p>
+        </p:txBody>
+      </p:sp>
+      <p:sp>
+        <p:nvSpPr>
+          <p:cNvPr id="10" name="TextBox 9">
+            <a:extLst>
+              <a:ext uri="{FF2B5EF4-FFF2-40B4-BE49-F238E27FC236}">
+                <a16:creationId xmlns:a16="http://schemas.microsoft.com/office/drawing/2014/main" id="{0272E46F-ABDB-7A50-22B8-9CADC698B024}"/>
+              </a:ext>
+            </a:extLst>
+          </p:cNvPr>
+          <p:cNvSpPr txBox="1"/>
+          <p:nvPr/>
+        </p:nvSpPr>
+        <p:spPr>
+          <a:xfrm>
+            <a:off x="7873693" y="3141625"/>
+            <a:ext cx="4144492" cy="369332"/>
+          </a:xfrm>
+          <a:prstGeom prst="rect">
+            <a:avLst/>
+          </a:prstGeom>
+          <a:noFill/>
+        </p:spPr>
+        <p:txBody>
+          <a:bodyPr wrap="square">
+            <a:spAutoFit/>
+          </a:bodyPr>
+          <a:lstStyle/>
+          <a:p>
+            <a:r>
+              <a:rPr lang="en-US" b="1">
+                <a:solidFill>
+                  <a:schemeClr val="bg1"/>
+                </a:solidFill>
+              </a:rPr>
+              <a:t>Product vision</a:t>
+            </a:r>
+          </a:p>
+        </p:txBody>
+      </p:sp>
+      <p:sp>
+        <p:nvSpPr>
+          <p:cNvPr id="4" name="TextBox 3">
+            <a:extLst>
+              <a:ext uri="{FF2B5EF4-FFF2-40B4-BE49-F238E27FC236}">
+                <a16:creationId xmlns:a16="http://schemas.microsoft.com/office/drawing/2014/main" id="{0DE5D460-0CFE-26C3-4499-126414AE5F1A}"/>
+              </a:ext>
+            </a:extLst>
+          </p:cNvPr>
+          <p:cNvSpPr txBox="1"/>
+          <p:nvPr/>
+        </p:nvSpPr>
+        <p:spPr>
+          <a:xfrm>
+            <a:off x="7873694" y="3431582"/>
+            <a:ext cx="4144492" cy="2709909"/>
+          </a:xfrm>
+          <a:prstGeom prst="rect">
+            <a:avLst/>
+          </a:prstGeom>
+          <a:noFill/>
+        </p:spPr>
+        <p:txBody>
+          <a:bodyPr wrap="square">
+            <a:spAutoFit/>
+          </a:bodyPr>
+          <a:lstStyle/>
+          <a:p>
+            <a:pPr>
+              <a:lnSpc>
+                <a:spcPct val="150000"/>
+              </a:lnSpc>
+              <a:defRPr/>
+            </a:pPr>
+            <a:r>
+              <a:rPr lang="en-US" sz="1000" b="1">
+                <a:solidFill>
+                  <a:schemeClr val="tx1"/>
+                </a:solidFill>
+                <a:latin typeface="Century Gothic"/>
+                <a:ea typeface="Open Sans Light"/>
+                <a:cs typeface="Poppins Medium"/>
+              </a:rPr>
+              <a:t>Effectory is on a mission:</a:t>
+            </a:r>
+            <a:r>
               <a:rPr lang="en-US" sz="1000">
-                <a:latin typeface="+mj-lt"/>
-                <a:ea typeface="Calibri" panose="020F0502020204030204" pitchFamily="34" charset="0"/>
-                <a:cs typeface="Times New Roman" panose="02020603050405020304" pitchFamily="18" charset="0"/>
-              </a:rPr>
-              <a:t>We recommend you spend 4-6 hours on this case</a:t>
-            </a:r>
+                <a:solidFill>
+                  <a:schemeClr val="tx1"/>
+                </a:solidFill>
+                <a:ea typeface="+mn-lt"/>
+                <a:cs typeface="+mn-lt"/>
+              </a:rPr>
+              <a:t> create a better, happier and more productive work environment for everyone, world-wide with valuable interactions throughout the listening cycle, enabling leaders, teams and employees to listen, to learn and to act.</a:t>
+            </a:r>
+          </a:p>
+          <a:p>
+            <a:pPr>
+              <a:lnSpc>
+                <a:spcPct val="150000"/>
+              </a:lnSpc>
+              <a:defRPr/>
+            </a:pPr>
+            <a:endParaRPr lang="en-US" sz="1000">
+              <a:latin typeface="Century Gothic"/>
+              <a:ea typeface="+mn-lt"/>
+              <a:cs typeface="+mn-lt"/>
+            </a:endParaRPr>
+          </a:p>
+          <a:p>
+            <a:pPr>
+              <a:lnSpc>
+                <a:spcPct val="150000"/>
+              </a:lnSpc>
+              <a:defRPr/>
+            </a:pPr>
+            <a:r>
+              <a:rPr lang="en-US" b="1">
+                <a:solidFill>
+                  <a:schemeClr val="bg1"/>
+                </a:solidFill>
+                <a:latin typeface="Century Gothic"/>
+                <a:ea typeface="+mn-lt"/>
+                <a:cs typeface="+mn-lt"/>
+              </a:rPr>
+              <a:t>3 pillars of our platform</a:t>
+            </a:r>
+            <a:endParaRPr lang="en-US">
+              <a:latin typeface="Century Gothic"/>
+              <a:ea typeface="+mn-lt"/>
+              <a:cs typeface="+mn-lt"/>
+            </a:endParaRPr>
+          </a:p>
+          <a:p>
+            <a:pPr marL="0" marR="0" lvl="0" indent="0" algn="l" defTabSz="914400" rtl="0" eaLnBrk="1" fontAlgn="auto" latinLnBrk="0" hangingPunct="1">
+              <a:lnSpc>
+                <a:spcPct val="100000"/>
+              </a:lnSpc>
+              <a:spcBef>
+                <a:spcPts val="0"/>
+              </a:spcBef>
+              <a:spcAft>
+                <a:spcPts val="0"/>
+              </a:spcAft>
+              <a:buClrTx/>
+              <a:buSzTx/>
+              <a:buFontTx/>
+              <a:buNone/>
+              <a:tabLst/>
+              <a:defRPr/>
+            </a:pPr>
+            <a:r>
+              <a:rPr lang="en-US" sz="1000" b="1">
+                <a:solidFill>
+                  <a:schemeClr val="tx1"/>
+                </a:solidFill>
+                <a:latin typeface="Century Gothic"/>
+                <a:ea typeface="+mn-lt"/>
+                <a:cs typeface="+mn-lt"/>
+              </a:rPr>
+              <a:t>Listen.</a:t>
+            </a:r>
+            <a:r>
+              <a:rPr lang="en-US" sz="1000">
+                <a:solidFill>
+                  <a:schemeClr val="tx1"/>
+                </a:solidFill>
+                <a:latin typeface="Century Gothic"/>
+                <a:ea typeface="+mn-lt"/>
+                <a:cs typeface="+mn-lt"/>
+              </a:rPr>
+              <a:t> </a:t>
+            </a:r>
+            <a:r>
+              <a:rPr lang="en-US" sz="1000">
+                <a:latin typeface="Century Gothic" panose="020F0302020204030204"/>
+              </a:rPr>
+              <a:t>All coordinators can listen quickly, easily and flexibly.</a:t>
+            </a:r>
+            <a:endParaRPr lang="en-US" sz="1000">
+              <a:solidFill>
+                <a:schemeClr val="tx1"/>
+              </a:solidFill>
+              <a:latin typeface="Century Gothic"/>
+              <a:ea typeface="Open Sans Light"/>
+              <a:cs typeface="Poppins Medium"/>
+            </a:endParaRPr>
+          </a:p>
+          <a:p>
+            <a:pPr>
+              <a:lnSpc>
+                <a:spcPct val="150000"/>
+              </a:lnSpc>
+              <a:defRPr/>
+            </a:pPr>
+            <a:r>
+              <a:rPr lang="en-US" sz="1000" b="1">
+                <a:latin typeface="Century Gothic"/>
+                <a:ea typeface="Open Sans Light"/>
+                <a:cs typeface="Poppins Medium"/>
+              </a:rPr>
+              <a:t>Learn.</a:t>
+            </a:r>
+            <a:r>
+              <a:rPr lang="en-US" sz="1000">
+                <a:latin typeface="Century Gothic"/>
+                <a:ea typeface="Open Sans Light"/>
+                <a:cs typeface="Poppins Medium"/>
+              </a:rPr>
+              <a:t> </a:t>
+            </a:r>
+            <a:r>
+              <a:rPr lang="en-US" sz="1000">
+                <a:latin typeface="Century Gothic" panose="020F0302020204030204"/>
+              </a:rPr>
+              <a:t>Dynamic insights that are relevant and actionable.</a:t>
+            </a:r>
+            <a:endParaRPr kumimoji="0" lang="en-US" sz="1000" i="0" u="none" strike="noStrike" kern="1200" cap="none" spc="0" normalizeH="0" baseline="0" noProof="0">
+              <a:ln>
+                <a:noFill/>
+              </a:ln>
+              <a:effectLst/>
+              <a:uLnTx/>
+              <a:uFillTx/>
+              <a:latin typeface="Century Gothic" panose="020F0302020204030204"/>
+            </a:endParaRPr>
+          </a:p>
+          <a:p>
+            <a:pPr>
+              <a:lnSpc>
+                <a:spcPct val="150000"/>
+              </a:lnSpc>
+              <a:defRPr/>
+            </a:pPr>
+            <a:r>
+              <a:rPr lang="en-US" sz="1000" b="1">
+                <a:latin typeface="Century Gothic" panose="020F0302020204030204"/>
+              </a:rPr>
+              <a:t>Lead.</a:t>
+            </a:r>
+            <a:r>
+              <a:rPr lang="en-US" sz="1000">
+                <a:latin typeface="Century Gothic" panose="020F0302020204030204"/>
+              </a:rPr>
+              <a:t> Inspiration to act and to improve on all levels.</a:t>
+            </a:r>
+            <a:endParaRPr kumimoji="0" lang="en-US" sz="1000" i="0" u="none" strike="noStrike" kern="1200" cap="none" spc="0" normalizeH="0" baseline="0" noProof="0">
+              <a:ln>
+                <a:noFill/>
+              </a:ln>
+              <a:effectLst/>
+              <a:uLnTx/>
+              <a:uFillTx/>
+              <a:latin typeface="Century Gothic" panose="020F0302020204030204"/>
+            </a:endParaRPr>
+          </a:p>
+          <a:p>
+            <a:pPr>
+              <a:lnSpc>
+                <a:spcPct val="150000"/>
+              </a:lnSpc>
+              <a:defRPr/>
+            </a:pPr>
+            <a:endParaRPr kumimoji="0" lang="en-US" sz="1000" i="0" u="none" strike="noStrike" kern="1200" cap="none" spc="0" normalizeH="0" baseline="0" noProof="0">
+              <a:ln>
+                <a:noFill/>
+              </a:ln>
+              <a:effectLst/>
+              <a:uLnTx/>
+              <a:uFillTx/>
+              <a:latin typeface="Century Gothic" panose="020F0302020204030204"/>
+            </a:endParaRPr>
+          </a:p>
+          <a:p>
+            <a:pPr>
+              <a:lnSpc>
+                <a:spcPct val="150000"/>
+              </a:lnSpc>
+              <a:defRPr/>
+            </a:pPr>
+            <a:r>
+              <a:rPr lang="en-US" sz="1000">
+                <a:solidFill>
+                  <a:schemeClr val="tx1"/>
+                </a:solidFill>
+                <a:latin typeface="Century Gothic"/>
+                <a:ea typeface="Open Sans Light"/>
+                <a:cs typeface="Poppins Medium"/>
+              </a:rPr>
+              <a:t> </a:t>
+            </a:r>
+          </a:p>
+        </p:txBody>
+      </p:sp>
+      <p:pic>
+        <p:nvPicPr>
+          <p:cNvPr id="9" name="Picture 8">
+            <a:extLst>
+              <a:ext uri="{FF2B5EF4-FFF2-40B4-BE49-F238E27FC236}">
+                <a16:creationId xmlns:a16="http://schemas.microsoft.com/office/drawing/2014/main" id="{D2B22A2B-AC42-F5E4-48FE-1C2964999C86}"/>
+              </a:ext>
+            </a:extLst>
+          </p:cNvPr>
+          <p:cNvPicPr>
+            <a:picLocks noChangeAspect="1"/>
+          </p:cNvPicPr>
+          <p:nvPr/>
+        </p:nvPicPr>
+        <p:blipFill>
+          <a:blip r:embed="rId2" cstate="print">
+            <a:extLst>
+              <a:ext uri="{28A0092B-C50C-407E-A947-70E740481C1C}">
+                <a14:useLocalDpi xmlns:a14="http://schemas.microsoft.com/office/drawing/2010/main" val="0"/>
+              </a:ext>
+            </a:extLst>
+          </a:blip>
+          <a:stretch>
+            <a:fillRect/>
+          </a:stretch>
+        </p:blipFill>
+        <p:spPr>
+          <a:xfrm>
+            <a:off x="8481682" y="6189542"/>
+            <a:ext cx="2928514" cy="279967"/>
+          </a:xfrm>
+          <a:prstGeom prst="rect">
+            <a:avLst/>
+          </a:prstGeom>
+        </p:spPr>
+      </p:pic>
+      <p:sp>
+        <p:nvSpPr>
+          <p:cNvPr id="6" name="TextBox 5">
+            <a:extLst>
+              <a:ext uri="{FF2B5EF4-FFF2-40B4-BE49-F238E27FC236}">
+                <a16:creationId xmlns:a16="http://schemas.microsoft.com/office/drawing/2014/main" id="{A7F0E912-F3BB-B213-4C5C-A308B5C0C0BE}"/>
+              </a:ext>
+            </a:extLst>
+          </p:cNvPr>
+          <p:cNvSpPr txBox="1"/>
+          <p:nvPr/>
+        </p:nvSpPr>
+        <p:spPr>
+          <a:xfrm>
+            <a:off x="7850400" y="1014228"/>
+            <a:ext cx="4191225" cy="1477328"/>
+          </a:xfrm>
+          <a:prstGeom prst="rect">
+            <a:avLst/>
+          </a:prstGeom>
+          <a:noFill/>
+        </p:spPr>
+        <p:txBody>
+          <a:bodyPr wrap="square" lIns="91440" tIns="45720" rIns="91440" bIns="45720" rtlCol="0" anchor="t">
+            <a:spAutoFit/>
+          </a:bodyPr>
+          <a:lstStyle/>
+          <a:p>
+            <a:r>
+              <a:rPr lang="en-US" sz="900" b="1">
+                <a:solidFill>
+                  <a:srgbClr val="192743"/>
+                </a:solidFill>
+                <a:ea typeface="+mn-lt"/>
+                <a:cs typeface="+mn-lt"/>
+              </a:rPr>
+              <a:t>Day before the  case</a:t>
+            </a:r>
+            <a:br>
+              <a:rPr lang="en-US" sz="900"/>
+            </a:br>
+            <a:r>
+              <a:rPr lang="en-US" sz="900" err="1">
+                <a:solidFill>
+                  <a:srgbClr val="192743"/>
+                </a:solidFill>
+              </a:rPr>
+              <a:t>n.a.</a:t>
+            </a:r>
+            <a:r>
+              <a:rPr lang="en-US" sz="900">
+                <a:solidFill>
+                  <a:srgbClr val="192743"/>
+                </a:solidFill>
+              </a:rPr>
+              <a:t>       | You receive the briefing from Effectory</a:t>
+            </a:r>
+          </a:p>
+          <a:p>
+            <a:r>
+              <a:rPr lang="en-US" sz="900" err="1">
+                <a:solidFill>
+                  <a:srgbClr val="192743"/>
+                </a:solidFill>
+              </a:rPr>
+              <a:t>n.a.</a:t>
+            </a:r>
+            <a:r>
+              <a:rPr lang="en-US" sz="900">
+                <a:solidFill>
+                  <a:srgbClr val="192743"/>
+                </a:solidFill>
+              </a:rPr>
+              <a:t>       | You read up on the case and prepare solution</a:t>
+            </a:r>
+          </a:p>
+          <a:p>
+            <a:br>
+              <a:rPr lang="en-US" sz="900"/>
+            </a:br>
+            <a:r>
+              <a:rPr lang="en-US" sz="900" b="1">
+                <a:solidFill>
+                  <a:srgbClr val="192743"/>
+                </a:solidFill>
+              </a:rPr>
+              <a:t>Day of case </a:t>
+            </a:r>
+          </a:p>
+          <a:p>
+            <a:r>
+              <a:rPr lang="en-US" sz="900">
+                <a:solidFill>
+                  <a:srgbClr val="192743"/>
+                </a:solidFill>
+              </a:rPr>
+              <a:t>10 mins | You get to prepare the room </a:t>
+            </a:r>
+          </a:p>
+          <a:p>
+            <a:r>
+              <a:rPr lang="en-US" sz="900">
+                <a:solidFill>
+                  <a:srgbClr val="192743"/>
+                </a:solidFill>
+              </a:rPr>
+              <a:t>40 mins | You present your solutions + we ask questions</a:t>
+            </a:r>
+            <a:endParaRPr lang="en-US"/>
+          </a:p>
+          <a:p>
+            <a:r>
+              <a:rPr lang="en-US" sz="900">
+                <a:solidFill>
+                  <a:srgbClr val="192743"/>
+                </a:solidFill>
+              </a:rPr>
+              <a:t>25 mins | Discussion </a:t>
+            </a:r>
+          </a:p>
+          <a:p>
+            <a:r>
+              <a:rPr lang="en-US" sz="900">
+                <a:solidFill>
+                  <a:srgbClr val="192743"/>
+                </a:solidFill>
+              </a:rPr>
+              <a:t>5 mins   | We give each other feedback</a:t>
+            </a:r>
+          </a:p>
+          <a:p>
+            <a:endParaRPr lang="en-US" sz="900">
+              <a:solidFill>
+                <a:schemeClr val="tx2"/>
+              </a:solidFill>
+            </a:endParaRPr>
+          </a:p>
+        </p:txBody>
+      </p:sp>
+      <p:sp>
+        <p:nvSpPr>
+          <p:cNvPr id="12" name="TextBox 11">
+            <a:extLst>
+              <a:ext uri="{FF2B5EF4-FFF2-40B4-BE49-F238E27FC236}">
+                <a16:creationId xmlns:a16="http://schemas.microsoft.com/office/drawing/2014/main" id="{F72604C1-6933-D622-0346-DFCD05083AA8}"/>
+              </a:ext>
+            </a:extLst>
+          </p:cNvPr>
+          <p:cNvSpPr txBox="1"/>
+          <p:nvPr/>
+        </p:nvSpPr>
+        <p:spPr>
+          <a:xfrm>
+            <a:off x="7850400" y="583914"/>
+            <a:ext cx="4144492" cy="369332"/>
+          </a:xfrm>
+          <a:prstGeom prst="rect">
+            <a:avLst/>
+          </a:prstGeom>
+          <a:noFill/>
+        </p:spPr>
+        <p:txBody>
+          <a:bodyPr wrap="square" lIns="91440" tIns="45720" rIns="91440" bIns="45720" anchor="t">
+            <a:spAutoFit/>
+          </a:bodyPr>
+          <a:lstStyle/>
+          <a:p>
+            <a:r>
+              <a:rPr lang="en-US" b="1">
+                <a:solidFill>
+                  <a:schemeClr val="bg1"/>
+                </a:solidFill>
+              </a:rPr>
+              <a:t>Timeline </a:t>
+            </a:r>
+            <a:endParaRPr lang="en-US">
+              <a:solidFill>
+                <a:schemeClr val="bg1"/>
+              </a:solidFill>
+            </a:endParaRPr>
           </a:p>
         </p:txBody>
       </p:sp>
@@ -5740,6 +5937,19 @@
 </file>
 
 <file path=customXml/item1.xml><?xml version="1.0" encoding="utf-8"?>
+<p:properties xmlns:p="http://schemas.microsoft.com/office/2006/metadata/properties" xmlns:xsi="http://www.w3.org/2001/XMLSchema-instance" xmlns:pc="http://schemas.microsoft.com/office/infopath/2007/PartnerControls">
+  <documentManagement>
+    <_ip_UnifiedCompliancePolicyUIAction xmlns="http://schemas.microsoft.com/sharepoint/v3" xsi:nil="true"/>
+    <_ip_UnifiedCompliancePolicyProperties xmlns="http://schemas.microsoft.com/sharepoint/v3" xsi:nil="true"/>
+    <lcf76f155ced4ddcb4097134ff3c332f xmlns="01edf75c-d75d-4b03-809c-e03782485d8f">
+      <Terms xmlns="http://schemas.microsoft.com/office/infopath/2007/PartnerControls"/>
+    </lcf76f155ced4ddcb4097134ff3c332f>
+    <TaxCatchAll xmlns="4288ad3f-a146-471b-a9ac-b245f9eebc3a" xsi:nil="true"/>
+  </documentManagement>
+</p:properties>
+</file>
+
+<file path=customXml/item2.xml><?xml version="1.0" encoding="utf-8"?>
 <ct:contentTypeSchema xmlns:ct="http://schemas.microsoft.com/office/2006/metadata/contentType" xmlns:ma="http://schemas.microsoft.com/office/2006/metadata/properties/metaAttributes" ct:_="" ma:_="" ma:contentTypeName="Document" ma:contentTypeID="0x0101001E20A90A24610848AEEAE2F8CD47FA91" ma:contentTypeVersion="19" ma:contentTypeDescription="Create a new document." ma:contentTypeScope="" ma:versionID="dab40cc96cc567f297896e8e37b8adb3">
   <xsd:schema xmlns:xsd="http://www.w3.org/2001/XMLSchema" xmlns:xs="http://www.w3.org/2001/XMLSchema" xmlns:p="http://schemas.microsoft.com/office/2006/metadata/properties" xmlns:ns1="http://schemas.microsoft.com/sharepoint/v3" xmlns:ns2="4288ad3f-a146-471b-a9ac-b245f9eebc3a" xmlns:ns3="01edf75c-d75d-4b03-809c-e03782485d8f" targetNamespace="http://schemas.microsoft.com/office/2006/metadata/properties" ma:root="true" ma:fieldsID="0748a0a6aada822d13abad2bd498e451" ns1:_="" ns2:_="" ns3:_="">
     <xsd:import namespace="http://schemas.microsoft.com/sharepoint/v3"/>
@@ -6005,19 +6215,6 @@
 </ct:contentTypeSchema>
 </file>
 
-<file path=customXml/item2.xml><?xml version="1.0" encoding="utf-8"?>
-<p:properties xmlns:p="http://schemas.microsoft.com/office/2006/metadata/properties" xmlns:xsi="http://www.w3.org/2001/XMLSchema-instance" xmlns:pc="http://schemas.microsoft.com/office/infopath/2007/PartnerControls">
-  <documentManagement>
-    <_ip_UnifiedCompliancePolicyUIAction xmlns="http://schemas.microsoft.com/sharepoint/v3" xsi:nil="true"/>
-    <_ip_UnifiedCompliancePolicyProperties xmlns="http://schemas.microsoft.com/sharepoint/v3" xsi:nil="true"/>
-    <lcf76f155ced4ddcb4097134ff3c332f xmlns="01edf75c-d75d-4b03-809c-e03782485d8f">
-      <Terms xmlns="http://schemas.microsoft.com/office/infopath/2007/PartnerControls"/>
-    </lcf76f155ced4ddcb4097134ff3c332f>
-    <TaxCatchAll xmlns="4288ad3f-a146-471b-a9ac-b245f9eebc3a" xsi:nil="true"/>
-  </documentManagement>
-</p:properties>
-</file>
-
 <file path=customXml/item3.xml><?xml version="1.0" encoding="utf-8"?>
 <?mso-contentType ?>
 <FormTemplates xmlns="http://schemas.microsoft.com/sharepoint/v3/contenttype/forms">
@@ -6028,6 +6225,24 @@
 </file>
 
 <file path=customXml/itemProps1.xml><?xml version="1.0" encoding="utf-8"?>
+<ds:datastoreItem xmlns:ds="http://schemas.openxmlformats.org/officeDocument/2006/customXml" ds:itemID="{49D510B8-9C8F-4587-97D1-0D231C65BF0A}">
+  <ds:schemaRefs>
+    <ds:schemaRef ds:uri="01edf75c-d75d-4b03-809c-e03782485d8f"/>
+    <ds:schemaRef ds:uri="4288ad3f-a146-471b-a9ac-b245f9eebc3a"/>
+    <ds:schemaRef ds:uri="http://purl.org/dc/dcmitype/"/>
+    <ds:schemaRef ds:uri="http://purl.org/dc/elements/1.1/"/>
+    <ds:schemaRef ds:uri="http://purl.org/dc/terms/"/>
+    <ds:schemaRef ds:uri="http://schemas.microsoft.com/office/2006/documentManagement/types"/>
+    <ds:schemaRef ds:uri="http://schemas.microsoft.com/office/2006/metadata/properties"/>
+    <ds:schemaRef ds:uri="http://schemas.microsoft.com/office/infopath/2007/PartnerControls"/>
+    <ds:schemaRef ds:uri="http://schemas.microsoft.com/sharepoint/v3"/>
+    <ds:schemaRef ds:uri="http://schemas.openxmlformats.org/package/2006/metadata/core-properties"/>
+    <ds:schemaRef ds:uri="http://www.w3.org/XML/1998/namespace"/>
+  </ds:schemaRefs>
+</ds:datastoreItem>
+</file>
+
+<file path=customXml/itemProps2.xml><?xml version="1.0" encoding="utf-8"?>
 <ds:datastoreItem xmlns:ds="http://schemas.openxmlformats.org/officeDocument/2006/customXml" ds:itemID="{1A274B3C-1FEE-42AB-A386-CBF90B5AD9B0}">
   <ds:schemaRefs>
     <ds:schemaRef ds:uri="01edf75c-d75d-4b03-809c-e03782485d8f"/>
@@ -6047,24 +6262,6 @@
 </ds:datastoreItem>
 </file>
 
-<file path=customXml/itemProps2.xml><?xml version="1.0" encoding="utf-8"?>
-<ds:datastoreItem xmlns:ds="http://schemas.openxmlformats.org/officeDocument/2006/customXml" ds:itemID="{49D510B8-9C8F-4587-97D1-0D231C65BF0A}">
-  <ds:schemaRefs>
-    <ds:schemaRef ds:uri="01edf75c-d75d-4b03-809c-e03782485d8f"/>
-    <ds:schemaRef ds:uri="4288ad3f-a146-471b-a9ac-b245f9eebc3a"/>
-    <ds:schemaRef ds:uri="http://purl.org/dc/dcmitype/"/>
-    <ds:schemaRef ds:uri="http://purl.org/dc/elements/1.1/"/>
-    <ds:schemaRef ds:uri="http://purl.org/dc/terms/"/>
-    <ds:schemaRef ds:uri="http://schemas.microsoft.com/office/2006/documentManagement/types"/>
-    <ds:schemaRef ds:uri="http://schemas.microsoft.com/office/2006/metadata/properties"/>
-    <ds:schemaRef ds:uri="http://schemas.microsoft.com/office/infopath/2007/PartnerControls"/>
-    <ds:schemaRef ds:uri="http://schemas.microsoft.com/sharepoint/v3"/>
-    <ds:schemaRef ds:uri="http://schemas.openxmlformats.org/package/2006/metadata/core-properties"/>
-    <ds:schemaRef ds:uri="http://www.w3.org/XML/1998/namespace"/>
-  </ds:schemaRefs>
-</ds:datastoreItem>
-</file>
-
 <file path=customXml/itemProps3.xml><?xml version="1.0" encoding="utf-8"?>
 <ds:datastoreItem xmlns:ds="http://schemas.openxmlformats.org/officeDocument/2006/customXml" ds:itemID="{E024892C-DE71-4591-BA90-D81858F9526C}">
   <ds:schemaRefs>
